--- a/PayPal as payment method.pptx
+++ b/PayPal as payment method.pptx
@@ -34,12 +34,12 @@
     <p:sldId id="444" r:id="rId28"/>
     <p:sldId id="462" r:id="rId29"/>
     <p:sldId id="446" r:id="rId30"/>
-    <p:sldId id="447" r:id="rId31"/>
+    <p:sldId id="465" r:id="rId31"/>
     <p:sldId id="450" r:id="rId32"/>
     <p:sldId id="457" r:id="rId33"/>
     <p:sldId id="458" r:id="rId34"/>
-    <p:sldId id="459" r:id="rId35"/>
-    <p:sldId id="460" r:id="rId36"/>
+    <p:sldId id="460" r:id="rId35"/>
+    <p:sldId id="459" r:id="rId36"/>
     <p:sldId id="452" r:id="rId37"/>
     <p:sldId id="461" r:id="rId38"/>
   </p:sldIdLst>
@@ -297,7 +297,7 @@
           <a:p>
             <a:fld id="{0F7D18CB-C27D-4C0C-9FBE-66FCCF9BB7FD}" type="datetimeFigureOut">
               <a:rPr lang="en-IN" smtClean="0"/>
-              <a:t>31-08-2024</a:t>
+              <a:t>03-09-2024</a:t>
             </a:fld>
             <a:endParaRPr lang="en-IN"/>
           </a:p>
@@ -497,7 +497,7 @@
           <a:p>
             <a:fld id="{0F7D18CB-C27D-4C0C-9FBE-66FCCF9BB7FD}" type="datetimeFigureOut">
               <a:rPr lang="en-IN" smtClean="0"/>
-              <a:t>31-08-2024</a:t>
+              <a:t>03-09-2024</a:t>
             </a:fld>
             <a:endParaRPr lang="en-IN"/>
           </a:p>
@@ -707,7 +707,7 @@
           <a:p>
             <a:fld id="{0F7D18CB-C27D-4C0C-9FBE-66FCCF9BB7FD}" type="datetimeFigureOut">
               <a:rPr lang="en-IN" smtClean="0"/>
-              <a:t>31-08-2024</a:t>
+              <a:t>03-09-2024</a:t>
             </a:fld>
             <a:endParaRPr lang="en-IN"/>
           </a:p>
@@ -907,7 +907,7 @@
           <a:p>
             <a:fld id="{0F7D18CB-C27D-4C0C-9FBE-66FCCF9BB7FD}" type="datetimeFigureOut">
               <a:rPr lang="en-IN" smtClean="0"/>
-              <a:t>31-08-2024</a:t>
+              <a:t>03-09-2024</a:t>
             </a:fld>
             <a:endParaRPr lang="en-IN"/>
           </a:p>
@@ -1183,7 +1183,7 @@
           <a:p>
             <a:fld id="{0F7D18CB-C27D-4C0C-9FBE-66FCCF9BB7FD}" type="datetimeFigureOut">
               <a:rPr lang="en-IN" smtClean="0"/>
-              <a:t>31-08-2024</a:t>
+              <a:t>03-09-2024</a:t>
             </a:fld>
             <a:endParaRPr lang="en-IN"/>
           </a:p>
@@ -1451,7 +1451,7 @@
           <a:p>
             <a:fld id="{0F7D18CB-C27D-4C0C-9FBE-66FCCF9BB7FD}" type="datetimeFigureOut">
               <a:rPr lang="en-IN" smtClean="0"/>
-              <a:t>31-08-2024</a:t>
+              <a:t>03-09-2024</a:t>
             </a:fld>
             <a:endParaRPr lang="en-IN"/>
           </a:p>
@@ -1866,7 +1866,7 @@
           <a:p>
             <a:fld id="{0F7D18CB-C27D-4C0C-9FBE-66FCCF9BB7FD}" type="datetimeFigureOut">
               <a:rPr lang="en-IN" smtClean="0"/>
-              <a:t>31-08-2024</a:t>
+              <a:t>03-09-2024</a:t>
             </a:fld>
             <a:endParaRPr lang="en-IN"/>
           </a:p>
@@ -2008,7 +2008,7 @@
           <a:p>
             <a:fld id="{0F7D18CB-C27D-4C0C-9FBE-66FCCF9BB7FD}" type="datetimeFigureOut">
               <a:rPr lang="en-IN" smtClean="0"/>
-              <a:t>31-08-2024</a:t>
+              <a:t>03-09-2024</a:t>
             </a:fld>
             <a:endParaRPr lang="en-IN"/>
           </a:p>
@@ -2121,7 +2121,7 @@
           <a:p>
             <a:fld id="{0F7D18CB-C27D-4C0C-9FBE-66FCCF9BB7FD}" type="datetimeFigureOut">
               <a:rPr lang="en-IN" smtClean="0"/>
-              <a:t>31-08-2024</a:t>
+              <a:t>03-09-2024</a:t>
             </a:fld>
             <a:endParaRPr lang="en-IN"/>
           </a:p>
@@ -2434,7 +2434,7 @@
           <a:p>
             <a:fld id="{0F7D18CB-C27D-4C0C-9FBE-66FCCF9BB7FD}" type="datetimeFigureOut">
               <a:rPr lang="en-IN" smtClean="0"/>
-              <a:t>31-08-2024</a:t>
+              <a:t>03-09-2024</a:t>
             </a:fld>
             <a:endParaRPr lang="en-IN"/>
           </a:p>
@@ -2723,7 +2723,7 @@
           <a:p>
             <a:fld id="{0F7D18CB-C27D-4C0C-9FBE-66FCCF9BB7FD}" type="datetimeFigureOut">
               <a:rPr lang="en-IN" smtClean="0"/>
-              <a:t>31-08-2024</a:t>
+              <a:t>03-09-2024</a:t>
             </a:fld>
             <a:endParaRPr lang="en-IN"/>
           </a:p>
@@ -2966,7 +2966,7 @@
           <a:p>
             <a:fld id="{0F7D18CB-C27D-4C0C-9FBE-66FCCF9BB7FD}" type="datetimeFigureOut">
               <a:rPr lang="en-IN" smtClean="0"/>
-              <a:t>31-08-2024</a:t>
+              <a:t>03-09-2024</a:t>
             </a:fld>
             <a:endParaRPr lang="en-IN"/>
           </a:p>
@@ -8651,11 +8651,11 @@
   <p:clrMapOvr>
     <a:masterClrMapping/>
   </p:clrMapOvr>
-  <mc:AlternateContent xmlns:mc="http://schemas.openxmlformats.org/markup-compatibility/2006">
-    <mc:Choice xmlns:p14="http://schemas.microsoft.com/office/powerpoint/2010/main" Requires="p14">
+  <mc:AlternateContent xmlns:mc="http://schemas.openxmlformats.org/markup-compatibility/2006" xmlns:p14="http://schemas.microsoft.com/office/powerpoint/2010/main">
+    <mc:Choice Requires="p14">
       <p:transition p14:dur="10"/>
     </mc:Choice>
-    <mc:Fallback>
+    <mc:Fallback xmlns="">
       <p:transition/>
     </mc:Fallback>
   </mc:AlternateContent>
@@ -8888,10 +8888,10 @@
       </p:sp>
       <p:pic>
         <p:nvPicPr>
-          <p:cNvPr id="5" name="Picture 4">
-            <a:extLst>
-              <a:ext uri="{FF2B5EF4-FFF2-40B4-BE49-F238E27FC236}">
-                <a16:creationId xmlns:a16="http://schemas.microsoft.com/office/drawing/2014/main" id="{BE809A99-68F7-D770-22F9-004E196796AC}"/>
+          <p:cNvPr id="3" name="Picture 2">
+            <a:extLst>
+              <a:ext uri="{FF2B5EF4-FFF2-40B4-BE49-F238E27FC236}">
+                <a16:creationId xmlns:a16="http://schemas.microsoft.com/office/drawing/2014/main" id="{FC22EA1E-307A-A7E9-B414-269BF961B2BA}"/>
               </a:ext>
             </a:extLst>
           </p:cNvPr>
@@ -8914,8 +8914,8 @@
         </p:blipFill>
         <p:spPr>
           <a:xfrm>
-            <a:off x="1196403" y="0"/>
-            <a:ext cx="9484867" cy="6858000"/>
+            <a:off x="2310830" y="1700213"/>
+            <a:ext cx="6560366" cy="4743450"/>
           </a:xfrm>
           <a:prstGeom prst="rect">
             <a:avLst/>
@@ -11089,8 +11089,8 @@
         </p:nvSpPr>
         <p:spPr>
           <a:xfrm>
-            <a:off x="1900238" y="1743075"/>
-            <a:ext cx="8875507" cy="3970318"/>
+            <a:off x="771525" y="1743075"/>
+            <a:ext cx="11244263" cy="2062103"/>
           </a:xfrm>
           <a:prstGeom prst="rect">
             <a:avLst/>
@@ -11098,113 +11098,572 @@
           <a:noFill/>
         </p:spPr>
         <p:txBody>
-          <a:bodyPr wrap="none" rtlCol="0">
+          <a:bodyPr wrap="square" rtlCol="0">
             <a:spAutoFit/>
           </a:bodyPr>
           <a:lstStyle/>
           <a:p>
-            <a:r>
-              <a:rPr lang="en-IN" sz="3600" dirty="0"/>
+            <a:pPr algn="just"/>
+            <a:r>
+              <a:rPr lang="en-IN" sz="2000" dirty="0">
+                <a:latin typeface="Times New Roman" panose="02020603050405020304" pitchFamily="18" charset="0"/>
+                <a:cs typeface="Times New Roman" panose="02020603050405020304" pitchFamily="18" charset="0"/>
+              </a:rPr>
               <a:t>What about persisting the transaction history?</a:t>
             </a:r>
           </a:p>
           <a:p>
+            <a:pPr algn="just"/>
+            <a:endParaRPr lang="en-IN" sz="2000" dirty="0">
+              <a:latin typeface="Times New Roman" panose="02020603050405020304" pitchFamily="18" charset="0"/>
+              <a:cs typeface="Times New Roman" panose="02020603050405020304" pitchFamily="18" charset="0"/>
+            </a:endParaRPr>
+          </a:p>
+          <a:p>
+            <a:pPr algn="just"/>
+            <a:r>
+              <a:rPr lang="en-IN" sz="2000" dirty="0">
+                <a:latin typeface="Times New Roman" panose="02020603050405020304" pitchFamily="18" charset="0"/>
+                <a:cs typeface="Times New Roman" panose="02020603050405020304" pitchFamily="18" charset="0"/>
+              </a:rPr>
+              <a:t>The service can utilise the transaction history storage unit of the client’s payment gateway application. But it loses it autonomy as a microservice.</a:t>
+            </a:r>
+          </a:p>
+          <a:p>
+            <a:pPr marL="342900" indent="-342900" algn="just">
+              <a:buFontTx/>
+              <a:buChar char="-"/>
+            </a:pPr>
             <a:endParaRPr lang="en-IN" sz="2400" dirty="0">
               <a:latin typeface="Times New Roman" panose="02020603050405020304" pitchFamily="18" charset="0"/>
               <a:cs typeface="Times New Roman" panose="02020603050405020304" pitchFamily="18" charset="0"/>
             </a:endParaRPr>
           </a:p>
           <a:p>
-            <a:r>
-              <a:rPr lang="en-IN" sz="2400" dirty="0">
-                <a:latin typeface="Times New Roman" panose="02020603050405020304" pitchFamily="18" charset="0"/>
-                <a:cs typeface="Times New Roman" panose="02020603050405020304" pitchFamily="18" charset="0"/>
-              </a:rPr>
-              <a:t>The service can utilise the transaction history storage unit of the </a:t>
-            </a:r>
-          </a:p>
-          <a:p>
-            <a:r>
-              <a:rPr lang="en-IN" sz="2400" dirty="0">
-                <a:latin typeface="Times New Roman" panose="02020603050405020304" pitchFamily="18" charset="0"/>
-                <a:cs typeface="Times New Roman" panose="02020603050405020304" pitchFamily="18" charset="0"/>
-              </a:rPr>
-              <a:t>Client’s payment gateway.</a:t>
-            </a:r>
-          </a:p>
-          <a:p>
+            <a:pPr marL="342900" indent="-342900" algn="just">
+              <a:buFontTx/>
+              <a:buChar char="-"/>
+            </a:pPr>
             <a:endParaRPr lang="en-IN" sz="2400" dirty="0">
               <a:latin typeface="Times New Roman" panose="02020603050405020304" pitchFamily="18" charset="0"/>
               <a:cs typeface="Times New Roman" panose="02020603050405020304" pitchFamily="18" charset="0"/>
             </a:endParaRPr>
           </a:p>
-          <a:p>
-            <a:r>
-              <a:rPr lang="en-IN" sz="2400" dirty="0">
-                <a:latin typeface="Times New Roman" panose="02020603050405020304" pitchFamily="18" charset="0"/>
-                <a:cs typeface="Times New Roman" panose="02020603050405020304" pitchFamily="18" charset="0"/>
-              </a:rPr>
-              <a:t>This helps in</a:t>
-            </a:r>
-          </a:p>
-          <a:p>
-            <a:pPr marL="342900" indent="-342900">
-              <a:buFontTx/>
-              <a:buChar char="-"/>
-            </a:pPr>
-            <a:r>
-              <a:rPr lang="en-IN" sz="2400" dirty="0">
-                <a:latin typeface="Times New Roman" panose="02020603050405020304" pitchFamily="18" charset="0"/>
-                <a:cs typeface="Times New Roman" panose="02020603050405020304" pitchFamily="18" charset="0"/>
-              </a:rPr>
-              <a:t>Reducing inconsistency</a:t>
-            </a:r>
-          </a:p>
-          <a:p>
-            <a:pPr marL="342900" indent="-342900">
-              <a:buFontTx/>
-              <a:buChar char="-"/>
-            </a:pPr>
-            <a:r>
-              <a:rPr lang="en-IN" sz="2400" dirty="0">
-                <a:latin typeface="Times New Roman" panose="02020603050405020304" pitchFamily="18" charset="0"/>
-                <a:cs typeface="Times New Roman" panose="02020603050405020304" pitchFamily="18" charset="0"/>
-              </a:rPr>
-              <a:t>Data duplication </a:t>
-            </a:r>
-          </a:p>
-          <a:p>
-            <a:pPr marL="342900" indent="-342900">
-              <a:buFontTx/>
-              <a:buChar char="-"/>
-            </a:pPr>
-            <a:r>
-              <a:rPr lang="en-IN" sz="2400" dirty="0">
-                <a:latin typeface="Times New Roman" panose="02020603050405020304" pitchFamily="18" charset="0"/>
-                <a:cs typeface="Times New Roman" panose="02020603050405020304" pitchFamily="18" charset="0"/>
-              </a:rPr>
-              <a:t>Simplified data management</a:t>
-            </a:r>
-          </a:p>
-          <a:p>
-            <a:pPr marL="342900" indent="-342900">
-              <a:buFontTx/>
-              <a:buChar char="-"/>
-            </a:pPr>
-            <a:r>
-              <a:rPr lang="en-IN" sz="2400" dirty="0">
-                <a:latin typeface="Times New Roman" panose="02020603050405020304" pitchFamily="18" charset="0"/>
-                <a:cs typeface="Times New Roman" panose="02020603050405020304" pitchFamily="18" charset="0"/>
-              </a:rPr>
-              <a:t>Ease of Integration</a:t>
-            </a:r>
-          </a:p>
         </p:txBody>
       </p:sp>
+      <p:graphicFrame>
+        <p:nvGraphicFramePr>
+          <p:cNvPr id="3" name="Table 2">
+            <a:extLst>
+              <a:ext uri="{FF2B5EF4-FFF2-40B4-BE49-F238E27FC236}">
+                <a16:creationId xmlns:a16="http://schemas.microsoft.com/office/drawing/2014/main" id="{065C7BD9-CF58-49EE-A349-A0F1755F93FF}"/>
+              </a:ext>
+            </a:extLst>
+          </p:cNvPr>
+          <p:cNvGraphicFramePr>
+            <a:graphicFrameLocks noGrp="1"/>
+          </p:cNvGraphicFramePr>
+          <p:nvPr>
+            <p:extLst>
+              <p:ext uri="{D42A27DB-BD31-4B8C-83A1-F6EECF244321}">
+                <p14:modId xmlns:p14="http://schemas.microsoft.com/office/powerpoint/2010/main" val="2889254072"/>
+              </p:ext>
+            </p:extLst>
+          </p:nvPr>
+        </p:nvGraphicFramePr>
+        <p:xfrm>
+          <a:off x="1900238" y="3171825"/>
+          <a:ext cx="8515350" cy="3455688"/>
+        </p:xfrm>
+        <a:graphic>
+          <a:graphicData uri="http://schemas.openxmlformats.org/drawingml/2006/table">
+            <a:tbl>
+              <a:tblPr>
+                <a:tableStyleId>{5C22544A-7EE6-4342-B048-85BDC9FD1C3A}</a:tableStyleId>
+              </a:tblPr>
+              <a:tblGrid>
+                <a:gridCol w="4257675">
+                  <a:extLst>
+                    <a:ext uri="{9D8B030D-6E8A-4147-A177-3AD203B41FA5}">
+                      <a16:colId xmlns:a16="http://schemas.microsoft.com/office/drawing/2014/main" val="3354345537"/>
+                    </a:ext>
+                  </a:extLst>
+                </a:gridCol>
+                <a:gridCol w="4257675">
+                  <a:extLst>
+                    <a:ext uri="{9D8B030D-6E8A-4147-A177-3AD203B41FA5}">
+                      <a16:colId xmlns:a16="http://schemas.microsoft.com/office/drawing/2014/main" val="429753845"/>
+                    </a:ext>
+                  </a:extLst>
+                </a:gridCol>
+              </a:tblGrid>
+              <a:tr h="211362">
+                <a:tc>
+                  <a:txBody>
+                    <a:bodyPr/>
+                    <a:lstStyle/>
+                    <a:p>
+                      <a:pPr algn="ctr" fontAlgn="ctr"/>
+                      <a:r>
+                        <a:rPr lang="en-IN" sz="1800" u="none" strike="noStrike">
+                          <a:effectLst/>
+                        </a:rPr>
+                        <a:t>Pros</a:t>
+                      </a:r>
+                      <a:endParaRPr lang="en-IN" sz="1800" b="1" i="0" u="none" strike="noStrike">
+                        <a:solidFill>
+                          <a:srgbClr val="000000"/>
+                        </a:solidFill>
+                        <a:effectLst/>
+                        <a:latin typeface="Calibri" panose="020F0502020204030204" pitchFamily="34" charset="0"/>
+                      </a:endParaRPr>
+                    </a:p>
+                  </a:txBody>
+                  <a:tcPr marL="6593" marR="6593" marT="6593" marB="0" anchor="ctr"/>
+                </a:tc>
+                <a:tc>
+                  <a:txBody>
+                    <a:bodyPr/>
+                    <a:lstStyle/>
+                    <a:p>
+                      <a:pPr algn="ctr" fontAlgn="ctr"/>
+                      <a:r>
+                        <a:rPr lang="en-IN" sz="1800" u="none" strike="noStrike">
+                          <a:effectLst/>
+                        </a:rPr>
+                        <a:t>Cons</a:t>
+                      </a:r>
+                      <a:endParaRPr lang="en-IN" sz="1800" b="1" i="0" u="none" strike="noStrike">
+                        <a:solidFill>
+                          <a:srgbClr val="000000"/>
+                        </a:solidFill>
+                        <a:effectLst/>
+                        <a:latin typeface="Calibri" panose="020F0502020204030204" pitchFamily="34" charset="0"/>
+                      </a:endParaRPr>
+                    </a:p>
+                  </a:txBody>
+                  <a:tcPr marL="6593" marR="6593" marT="6593" marB="0" anchor="ctr"/>
+                </a:tc>
+                <a:extLst>
+                  <a:ext uri="{0D108BD9-81ED-4DB2-BD59-A6C34878D82A}">
+                    <a16:rowId xmlns:a16="http://schemas.microsoft.com/office/drawing/2014/main" val="3209044767"/>
+                  </a:ext>
+                </a:extLst>
+              </a:tr>
+              <a:tr h="297635">
+                <a:tc>
+                  <a:txBody>
+                    <a:bodyPr/>
+                    <a:lstStyle/>
+                    <a:p>
+                      <a:pPr algn="l" fontAlgn="ctr"/>
+                      <a:r>
+                        <a:rPr lang="en-IN" sz="1800" u="none" strike="noStrike" dirty="0">
+                          <a:effectLst/>
+                        </a:rPr>
+                        <a:t>Simplified Data Access</a:t>
+                      </a:r>
+                      <a:endParaRPr lang="en-IN" sz="1800" b="0" i="0" u="none" strike="noStrike" dirty="0">
+                        <a:solidFill>
+                          <a:srgbClr val="000000"/>
+                        </a:solidFill>
+                        <a:effectLst/>
+                        <a:latin typeface="Calibri" panose="020F0502020204030204" pitchFamily="34" charset="0"/>
+                      </a:endParaRPr>
+                    </a:p>
+                  </a:txBody>
+                  <a:tcPr marL="6593" marR="6593" marT="6593" marB="0" anchor="ctr"/>
+                </a:tc>
+                <a:tc>
+                  <a:txBody>
+                    <a:bodyPr/>
+                    <a:lstStyle/>
+                    <a:p>
+                      <a:pPr algn="l" fontAlgn="ctr"/>
+                      <a:r>
+                        <a:rPr lang="en-IN" sz="1800" u="none" strike="noStrike">
+                          <a:effectLst/>
+                        </a:rPr>
+                        <a:t>Tight Coupling</a:t>
+                      </a:r>
+                      <a:endParaRPr lang="en-IN" sz="1800" b="0" i="0" u="none" strike="noStrike">
+                        <a:solidFill>
+                          <a:srgbClr val="000000"/>
+                        </a:solidFill>
+                        <a:effectLst/>
+                        <a:latin typeface="Calibri" panose="020F0502020204030204" pitchFamily="34" charset="0"/>
+                      </a:endParaRPr>
+                    </a:p>
+                  </a:txBody>
+                  <a:tcPr marL="6593" marR="6593" marT="6593" marB="0" anchor="ctr"/>
+                </a:tc>
+                <a:extLst>
+                  <a:ext uri="{0D108BD9-81ED-4DB2-BD59-A6C34878D82A}">
+                    <a16:rowId xmlns:a16="http://schemas.microsoft.com/office/drawing/2014/main" val="130464107"/>
+                  </a:ext>
+                </a:extLst>
+              </a:tr>
+              <a:tr h="297635">
+                <a:tc>
+                  <a:txBody>
+                    <a:bodyPr/>
+                    <a:lstStyle/>
+                    <a:p>
+                      <a:pPr algn="l" fontAlgn="ctr"/>
+                      <a:r>
+                        <a:rPr lang="en-IN" sz="1800" u="none" strike="noStrike" dirty="0">
+                          <a:effectLst/>
+                        </a:rPr>
+                        <a:t>Easier Transition</a:t>
+                      </a:r>
+                      <a:endParaRPr lang="en-IN" sz="1800" b="0" i="0" u="none" strike="noStrike" dirty="0">
+                        <a:solidFill>
+                          <a:srgbClr val="000000"/>
+                        </a:solidFill>
+                        <a:effectLst/>
+                        <a:latin typeface="Calibri" panose="020F0502020204030204" pitchFamily="34" charset="0"/>
+                      </a:endParaRPr>
+                    </a:p>
+                  </a:txBody>
+                  <a:tcPr marL="6593" marR="6593" marT="6593" marB="0" anchor="ctr"/>
+                </a:tc>
+                <a:tc>
+                  <a:txBody>
+                    <a:bodyPr/>
+                    <a:lstStyle/>
+                    <a:p>
+                      <a:pPr algn="l" fontAlgn="ctr"/>
+                      <a:r>
+                        <a:rPr lang="en-IN" sz="1800" u="none" strike="noStrike">
+                          <a:effectLst/>
+                        </a:rPr>
+                        <a:t>Schema Dependencies</a:t>
+                      </a:r>
+                      <a:endParaRPr lang="en-IN" sz="1800" b="0" i="0" u="none" strike="noStrike">
+                        <a:solidFill>
+                          <a:srgbClr val="000000"/>
+                        </a:solidFill>
+                        <a:effectLst/>
+                        <a:latin typeface="Calibri" panose="020F0502020204030204" pitchFamily="34" charset="0"/>
+                      </a:endParaRPr>
+                    </a:p>
+                  </a:txBody>
+                  <a:tcPr marL="6593" marR="6593" marT="6593" marB="0" anchor="ctr"/>
+                </a:tc>
+                <a:extLst>
+                  <a:ext uri="{0D108BD9-81ED-4DB2-BD59-A6C34878D82A}">
+                    <a16:rowId xmlns:a16="http://schemas.microsoft.com/office/drawing/2014/main" val="869631713"/>
+                  </a:ext>
+                </a:extLst>
+              </a:tr>
+              <a:tr h="297635">
+                <a:tc>
+                  <a:txBody>
+                    <a:bodyPr/>
+                    <a:lstStyle/>
+                    <a:p>
+                      <a:pPr algn="l" fontAlgn="ctr"/>
+                      <a:r>
+                        <a:rPr lang="en-IN" sz="1800" u="none" strike="noStrike">
+                          <a:effectLst/>
+                        </a:rPr>
+                        <a:t>Consistent Data</a:t>
+                      </a:r>
+                      <a:endParaRPr lang="en-IN" sz="1800" b="0" i="0" u="none" strike="noStrike">
+                        <a:solidFill>
+                          <a:srgbClr val="000000"/>
+                        </a:solidFill>
+                        <a:effectLst/>
+                        <a:latin typeface="Calibri" panose="020F0502020204030204" pitchFamily="34" charset="0"/>
+                      </a:endParaRPr>
+                    </a:p>
+                  </a:txBody>
+                  <a:tcPr marL="6593" marR="6593" marT="6593" marB="0" anchor="ctr"/>
+                </a:tc>
+                <a:tc>
+                  <a:txBody>
+                    <a:bodyPr/>
+                    <a:lstStyle/>
+                    <a:p>
+                      <a:pPr algn="l" fontAlgn="ctr"/>
+                      <a:r>
+                        <a:rPr lang="en-IN" sz="1800" u="none" strike="noStrike">
+                          <a:effectLst/>
+                        </a:rPr>
+                        <a:t>Reduced Scalability</a:t>
+                      </a:r>
+                      <a:endParaRPr lang="en-IN" sz="1800" b="0" i="0" u="none" strike="noStrike">
+                        <a:solidFill>
+                          <a:srgbClr val="000000"/>
+                        </a:solidFill>
+                        <a:effectLst/>
+                        <a:latin typeface="Calibri" panose="020F0502020204030204" pitchFamily="34" charset="0"/>
+                      </a:endParaRPr>
+                    </a:p>
+                  </a:txBody>
+                  <a:tcPr marL="6593" marR="6593" marT="6593" marB="0" anchor="ctr"/>
+                </a:tc>
+                <a:extLst>
+                  <a:ext uri="{0D108BD9-81ED-4DB2-BD59-A6C34878D82A}">
+                    <a16:rowId xmlns:a16="http://schemas.microsoft.com/office/drawing/2014/main" val="892966857"/>
+                  </a:ext>
+                </a:extLst>
+              </a:tr>
+              <a:tr h="396847">
+                <a:tc>
+                  <a:txBody>
+                    <a:bodyPr/>
+                    <a:lstStyle/>
+                    <a:p>
+                      <a:pPr algn="l" fontAlgn="ctr"/>
+                      <a:r>
+                        <a:rPr lang="en-IN" sz="1800" u="none" strike="noStrike" dirty="0">
+                          <a:effectLst/>
+                        </a:rPr>
+                        <a:t>Reduced Duplication</a:t>
+                      </a:r>
+                      <a:endParaRPr lang="en-IN" sz="1800" b="0" i="0" u="none" strike="noStrike" dirty="0">
+                        <a:solidFill>
+                          <a:srgbClr val="000000"/>
+                        </a:solidFill>
+                        <a:effectLst/>
+                        <a:latin typeface="Calibri" panose="020F0502020204030204" pitchFamily="34" charset="0"/>
+                      </a:endParaRPr>
+                    </a:p>
+                  </a:txBody>
+                  <a:tcPr marL="6593" marR="6593" marT="6593" marB="0" anchor="ctr"/>
+                </a:tc>
+                <a:tc>
+                  <a:txBody>
+                    <a:bodyPr/>
+                    <a:lstStyle/>
+                    <a:p>
+                      <a:pPr algn="l" fontAlgn="ctr"/>
+                      <a:r>
+                        <a:rPr lang="en-IN" sz="1800" u="none" strike="noStrike">
+                          <a:effectLst/>
+                        </a:rPr>
+                        <a:t>Compromised Autonomy</a:t>
+                      </a:r>
+                      <a:endParaRPr lang="en-IN" sz="1800" b="0" i="0" u="none" strike="noStrike">
+                        <a:solidFill>
+                          <a:srgbClr val="000000"/>
+                        </a:solidFill>
+                        <a:effectLst/>
+                        <a:latin typeface="Calibri" panose="020F0502020204030204" pitchFamily="34" charset="0"/>
+                      </a:endParaRPr>
+                    </a:p>
+                  </a:txBody>
+                  <a:tcPr marL="6593" marR="6593" marT="6593" marB="0" anchor="ctr"/>
+                </a:tc>
+                <a:extLst>
+                  <a:ext uri="{0D108BD9-81ED-4DB2-BD59-A6C34878D82A}">
+                    <a16:rowId xmlns:a16="http://schemas.microsoft.com/office/drawing/2014/main" val="589789434"/>
+                  </a:ext>
+                </a:extLst>
+              </a:tr>
+              <a:tr h="496059">
+                <a:tc>
+                  <a:txBody>
+                    <a:bodyPr/>
+                    <a:lstStyle/>
+                    <a:p>
+                      <a:pPr algn="l" fontAlgn="ctr"/>
+                      <a:r>
+                        <a:rPr lang="en-IN" sz="1800" u="none" strike="noStrike">
+                          <a:effectLst/>
+                        </a:rPr>
+                        <a:t>Less Initial Setup</a:t>
+                      </a:r>
+                      <a:endParaRPr lang="en-IN" sz="1800" b="0" i="0" u="none" strike="noStrike">
+                        <a:solidFill>
+                          <a:srgbClr val="000000"/>
+                        </a:solidFill>
+                        <a:effectLst/>
+                        <a:latin typeface="Calibri" panose="020F0502020204030204" pitchFamily="34" charset="0"/>
+                      </a:endParaRPr>
+                    </a:p>
+                  </a:txBody>
+                  <a:tcPr marL="6593" marR="6593" marT="6593" marB="0" anchor="ctr"/>
+                </a:tc>
+                <a:tc>
+                  <a:txBody>
+                    <a:bodyPr/>
+                    <a:lstStyle/>
+                    <a:p>
+                      <a:pPr algn="l" fontAlgn="ctr"/>
+                      <a:r>
+                        <a:rPr lang="en-IN" sz="1800" u="none" strike="noStrike" dirty="0">
+                          <a:effectLst/>
+                        </a:rPr>
+                        <a:t>Complex Transaction Management</a:t>
+                      </a:r>
+                      <a:endParaRPr lang="en-IN" sz="1800" b="0" i="0" u="none" strike="noStrike" dirty="0">
+                        <a:solidFill>
+                          <a:srgbClr val="000000"/>
+                        </a:solidFill>
+                        <a:effectLst/>
+                        <a:latin typeface="Calibri" panose="020F0502020204030204" pitchFamily="34" charset="0"/>
+                      </a:endParaRPr>
+                    </a:p>
+                  </a:txBody>
+                  <a:tcPr marL="6593" marR="6593" marT="6593" marB="0" anchor="ctr"/>
+                </a:tc>
+                <a:extLst>
+                  <a:ext uri="{0D108BD9-81ED-4DB2-BD59-A6C34878D82A}">
+                    <a16:rowId xmlns:a16="http://schemas.microsoft.com/office/drawing/2014/main" val="1352934889"/>
+                  </a:ext>
+                </a:extLst>
+              </a:tr>
+              <a:tr h="496059">
+                <a:tc>
+                  <a:txBody>
+                    <a:bodyPr/>
+                    <a:lstStyle/>
+                    <a:p>
+                      <a:pPr algn="l" fontAlgn="ctr"/>
+                      <a:endParaRPr lang="en-IN" sz="1800" b="0" i="0" u="none" strike="noStrike">
+                        <a:solidFill>
+                          <a:srgbClr val="000000"/>
+                        </a:solidFill>
+                        <a:effectLst/>
+                        <a:latin typeface="Calibri" panose="020F0502020204030204" pitchFamily="34" charset="0"/>
+                      </a:endParaRPr>
+                    </a:p>
+                  </a:txBody>
+                  <a:tcPr marL="6593" marR="6593" marT="6593" marB="0" anchor="ctr"/>
+                </a:tc>
+                <a:tc>
+                  <a:txBody>
+                    <a:bodyPr/>
+                    <a:lstStyle/>
+                    <a:p>
+                      <a:pPr algn="l" fontAlgn="ctr"/>
+                      <a:r>
+                        <a:rPr lang="en-US" sz="1800" u="none" strike="noStrike" dirty="0">
+                          <a:effectLst/>
+                        </a:rPr>
+                        <a:t>Security and Access Control Issues</a:t>
+                      </a:r>
+                      <a:endParaRPr lang="en-US" sz="1800" b="0" i="0" u="none" strike="noStrike" dirty="0">
+                        <a:solidFill>
+                          <a:srgbClr val="000000"/>
+                        </a:solidFill>
+                        <a:effectLst/>
+                        <a:latin typeface="Calibri" panose="020F0502020204030204" pitchFamily="34" charset="0"/>
+                      </a:endParaRPr>
+                    </a:p>
+                  </a:txBody>
+                  <a:tcPr marL="6593" marR="6593" marT="6593" marB="0" anchor="ctr"/>
+                </a:tc>
+                <a:extLst>
+                  <a:ext uri="{0D108BD9-81ED-4DB2-BD59-A6C34878D82A}">
+                    <a16:rowId xmlns:a16="http://schemas.microsoft.com/office/drawing/2014/main" val="1045473674"/>
+                  </a:ext>
+                </a:extLst>
+              </a:tr>
+              <a:tr h="297635">
+                <a:tc>
+                  <a:txBody>
+                    <a:bodyPr/>
+                    <a:lstStyle/>
+                    <a:p>
+                      <a:pPr algn="l" fontAlgn="ctr"/>
+                      <a:endParaRPr lang="en-IN" sz="1800" b="0" i="0" u="none" strike="noStrike">
+                        <a:solidFill>
+                          <a:srgbClr val="000000"/>
+                        </a:solidFill>
+                        <a:effectLst/>
+                        <a:latin typeface="Calibri" panose="020F0502020204030204" pitchFamily="34" charset="0"/>
+                      </a:endParaRPr>
+                    </a:p>
+                  </a:txBody>
+                  <a:tcPr marL="6593" marR="6593" marT="6593" marB="0" anchor="ctr"/>
+                </a:tc>
+                <a:tc>
+                  <a:txBody>
+                    <a:bodyPr/>
+                    <a:lstStyle/>
+                    <a:p>
+                      <a:pPr algn="l" fontAlgn="ctr"/>
+                      <a:r>
+                        <a:rPr lang="en-IN" sz="1800" u="none" strike="noStrike">
+                          <a:effectLst/>
+                        </a:rPr>
+                        <a:t>Data Integrity Risks</a:t>
+                      </a:r>
+                      <a:endParaRPr lang="en-IN" sz="1800" b="0" i="0" u="none" strike="noStrike">
+                        <a:solidFill>
+                          <a:srgbClr val="000000"/>
+                        </a:solidFill>
+                        <a:effectLst/>
+                        <a:latin typeface="Calibri" panose="020F0502020204030204" pitchFamily="34" charset="0"/>
+                      </a:endParaRPr>
+                    </a:p>
+                  </a:txBody>
+                  <a:tcPr marL="6593" marR="6593" marT="6593" marB="0" anchor="ctr"/>
+                </a:tc>
+                <a:extLst>
+                  <a:ext uri="{0D108BD9-81ED-4DB2-BD59-A6C34878D82A}">
+                    <a16:rowId xmlns:a16="http://schemas.microsoft.com/office/drawing/2014/main" val="1061288454"/>
+                  </a:ext>
+                </a:extLst>
+              </a:tr>
+              <a:tr h="595270">
+                <a:tc>
+                  <a:txBody>
+                    <a:bodyPr/>
+                    <a:lstStyle/>
+                    <a:p>
+                      <a:pPr algn="l" fontAlgn="ctr"/>
+                      <a:endParaRPr lang="en-IN" sz="1800" b="0" i="0" u="none" strike="noStrike">
+                        <a:solidFill>
+                          <a:srgbClr val="000000"/>
+                        </a:solidFill>
+                        <a:effectLst/>
+                        <a:latin typeface="Calibri" panose="020F0502020204030204" pitchFamily="34" charset="0"/>
+                      </a:endParaRPr>
+                    </a:p>
+                  </a:txBody>
+                  <a:tcPr marL="6593" marR="6593" marT="6593" marB="0" anchor="ctr"/>
+                </a:tc>
+                <a:tc>
+                  <a:txBody>
+                    <a:bodyPr/>
+                    <a:lstStyle/>
+                    <a:p>
+                      <a:pPr algn="l" fontAlgn="ctr"/>
+                      <a:r>
+                        <a:rPr lang="en-IN" sz="1800" u="none" strike="noStrike" dirty="0">
+                          <a:effectLst/>
+                        </a:rPr>
+                        <a:t>Hinders Full Microservices Adoption</a:t>
+                      </a:r>
+                      <a:endParaRPr lang="en-IN" sz="1800" b="0" i="0" u="none" strike="noStrike" dirty="0">
+                        <a:solidFill>
+                          <a:srgbClr val="000000"/>
+                        </a:solidFill>
+                        <a:effectLst/>
+                        <a:latin typeface="Calibri" panose="020F0502020204030204" pitchFamily="34" charset="0"/>
+                      </a:endParaRPr>
+                    </a:p>
+                  </a:txBody>
+                  <a:tcPr marL="6593" marR="6593" marT="6593" marB="0" anchor="ctr"/>
+                </a:tc>
+                <a:extLst>
+                  <a:ext uri="{0D108BD9-81ED-4DB2-BD59-A6C34878D82A}">
+                    <a16:rowId xmlns:a16="http://schemas.microsoft.com/office/drawing/2014/main" val="1328315788"/>
+                  </a:ext>
+                </a:extLst>
+              </a:tr>
+            </a:tbl>
+          </a:graphicData>
+        </a:graphic>
+      </p:graphicFrame>
     </p:spTree>
     <p:extLst>
       <p:ext uri="{BB962C8B-B14F-4D97-AF65-F5344CB8AC3E}">
-        <p14:creationId xmlns:p14="http://schemas.microsoft.com/office/powerpoint/2010/main" val="3193009456"/>
+        <p14:creationId xmlns:p14="http://schemas.microsoft.com/office/powerpoint/2010/main" val="1435123996"/>
       </p:ext>
     </p:extLst>
   </p:cSld>
@@ -11296,10 +11755,10 @@
       </p:sp>
       <p:sp>
         <p:nvSpPr>
-          <p:cNvPr id="2" name="TextBox 1">
-            <a:extLst>
-              <a:ext uri="{FF2B5EF4-FFF2-40B4-BE49-F238E27FC236}">
-                <a16:creationId xmlns:a16="http://schemas.microsoft.com/office/drawing/2014/main" id="{4ECC1191-CCE8-9E11-01C8-C3B1B23022F0}"/>
+          <p:cNvPr id="5" name="TextBox 4">
+            <a:extLst>
+              <a:ext uri="{FF2B5EF4-FFF2-40B4-BE49-F238E27FC236}">
+                <a16:creationId xmlns:a16="http://schemas.microsoft.com/office/drawing/2014/main" id="{9140401A-D4B4-CFC2-65C3-B7C998BD2BB8}"/>
               </a:ext>
             </a:extLst>
           </p:cNvPr>
@@ -11308,8 +11767,8 @@
         </p:nvSpPr>
         <p:spPr>
           <a:xfrm>
-            <a:off x="1900238" y="1743075"/>
-            <a:ext cx="8875507" cy="3231654"/>
+            <a:off x="771525" y="1743075"/>
+            <a:ext cx="11244263" cy="2185214"/>
           </a:xfrm>
           <a:prstGeom prst="rect">
             <a:avLst/>
@@ -11317,97 +11776,493 @@
           <a:noFill/>
         </p:spPr>
         <p:txBody>
-          <a:bodyPr wrap="none" rtlCol="0">
+          <a:bodyPr wrap="square" rtlCol="0">
             <a:spAutoFit/>
           </a:bodyPr>
           <a:lstStyle/>
           <a:p>
-            <a:r>
-              <a:rPr lang="en-IN" sz="3600" dirty="0"/>
-              <a:t>What about persisting the transaction history?</a:t>
-            </a:r>
-          </a:p>
-          <a:p>
+            <a:pPr algn="just"/>
+            <a:r>
+              <a:rPr lang="en-IN" sz="2000" dirty="0">
+                <a:latin typeface="Times New Roman" panose="02020603050405020304" pitchFamily="18" charset="0"/>
+                <a:cs typeface="Times New Roman" panose="02020603050405020304" pitchFamily="18" charset="0"/>
+              </a:rPr>
+              <a:t>What about persisting the transaction history? A separate NoSQL based persistence will be a good option.</a:t>
+            </a:r>
+          </a:p>
+          <a:p>
+            <a:pPr algn="just"/>
+            <a:endParaRPr lang="en-IN" sz="2000" dirty="0">
+              <a:latin typeface="Times New Roman" panose="02020603050405020304" pitchFamily="18" charset="0"/>
+              <a:cs typeface="Times New Roman" panose="02020603050405020304" pitchFamily="18" charset="0"/>
+            </a:endParaRPr>
+          </a:p>
+          <a:p>
+            <a:pPr marL="342900" indent="-342900" algn="just">
+              <a:buFontTx/>
+              <a:buChar char="-"/>
+            </a:pPr>
+            <a:r>
+              <a:rPr lang="en-IN" sz="2400" dirty="0">
+                <a:latin typeface="Times New Roman" panose="02020603050405020304" pitchFamily="18" charset="0"/>
+                <a:cs typeface="Times New Roman" panose="02020603050405020304" pitchFamily="18" charset="0"/>
+              </a:rPr>
+              <a:t>Alternatives: Relational DBs or NOSQL DB </a:t>
+            </a:r>
+          </a:p>
+          <a:p>
+            <a:pPr marL="342900" indent="-342900" algn="just">
+              <a:buFontTx/>
+              <a:buChar char="-"/>
+            </a:pPr>
             <a:endParaRPr lang="en-IN" sz="2400" dirty="0">
               <a:latin typeface="Times New Roman" panose="02020603050405020304" pitchFamily="18" charset="0"/>
               <a:cs typeface="Times New Roman" panose="02020603050405020304" pitchFamily="18" charset="0"/>
             </a:endParaRPr>
           </a:p>
           <a:p>
-            <a:r>
-              <a:rPr lang="en-IN" sz="2400" dirty="0">
-                <a:latin typeface="Times New Roman" panose="02020603050405020304" pitchFamily="18" charset="0"/>
-                <a:cs typeface="Times New Roman" panose="02020603050405020304" pitchFamily="18" charset="0"/>
-              </a:rPr>
-              <a:t>The service can utilise the transaction history storage unit of the </a:t>
-            </a:r>
-          </a:p>
-          <a:p>
-            <a:r>
-              <a:rPr lang="en-IN" sz="2400" dirty="0">
-                <a:latin typeface="Times New Roman" panose="02020603050405020304" pitchFamily="18" charset="0"/>
-                <a:cs typeface="Times New Roman" panose="02020603050405020304" pitchFamily="18" charset="0"/>
-              </a:rPr>
-              <a:t>Client’s payment gateway.</a:t>
-            </a:r>
-          </a:p>
-          <a:p>
+            <a:pPr marL="342900" indent="-342900" algn="just">
+              <a:buFontTx/>
+              <a:buChar char="-"/>
+            </a:pPr>
             <a:endParaRPr lang="en-IN" sz="2400" dirty="0">
               <a:latin typeface="Times New Roman" panose="02020603050405020304" pitchFamily="18" charset="0"/>
               <a:cs typeface="Times New Roman" panose="02020603050405020304" pitchFamily="18" charset="0"/>
             </a:endParaRPr>
           </a:p>
           <a:p>
-            <a:r>
-              <a:rPr lang="en-IN" sz="2400" dirty="0">
-                <a:latin typeface="Times New Roman" panose="02020603050405020304" pitchFamily="18" charset="0"/>
-                <a:cs typeface="Times New Roman" panose="02020603050405020304" pitchFamily="18" charset="0"/>
-              </a:rPr>
-              <a:t>Alternatives:</a:t>
-            </a:r>
-          </a:p>
-          <a:p>
-            <a:r>
-              <a:rPr lang="en-IN" sz="2400" dirty="0">
-                <a:latin typeface="Times New Roman" panose="02020603050405020304" pitchFamily="18" charset="0"/>
-                <a:cs typeface="Times New Roman" panose="02020603050405020304" pitchFamily="18" charset="0"/>
-              </a:rPr>
-              <a:t>Relational Databases – </a:t>
-            </a:r>
-            <a:r>
-              <a:rPr lang="en-IN" sz="2400" dirty="0" err="1">
-                <a:latin typeface="Times New Roman" panose="02020603050405020304" pitchFamily="18" charset="0"/>
-                <a:cs typeface="Times New Roman" panose="02020603050405020304" pitchFamily="18" charset="0"/>
-              </a:rPr>
-              <a:t>PostGRESQL</a:t>
-            </a:r>
+            <a:pPr marL="342900" indent="-342900" algn="just">
+              <a:buFontTx/>
+              <a:buChar char="-"/>
+            </a:pPr>
             <a:endParaRPr lang="en-IN" sz="2400" dirty="0">
               <a:latin typeface="Times New Roman" panose="02020603050405020304" pitchFamily="18" charset="0"/>
               <a:cs typeface="Times New Roman" panose="02020603050405020304" pitchFamily="18" charset="0"/>
             </a:endParaRPr>
           </a:p>
-          <a:p>
-            <a:r>
-              <a:rPr lang="en-IN" sz="2400" dirty="0">
-                <a:latin typeface="Times New Roman" panose="02020603050405020304" pitchFamily="18" charset="0"/>
-                <a:cs typeface="Times New Roman" panose="02020603050405020304" pitchFamily="18" charset="0"/>
-              </a:rPr>
-              <a:t>NoSQL   - </a:t>
-            </a:r>
-            <a:r>
-              <a:rPr lang="en-IN" sz="2400" dirty="0" err="1">
-                <a:latin typeface="Times New Roman" panose="02020603050405020304" pitchFamily="18" charset="0"/>
-                <a:cs typeface="Times New Roman" panose="02020603050405020304" pitchFamily="18" charset="0"/>
-              </a:rPr>
-              <a:t>MongoDb</a:t>
-            </a:r>
-            <a:endParaRPr lang="en-IN" sz="2400" dirty="0">
-              <a:latin typeface="Times New Roman" panose="02020603050405020304" pitchFamily="18" charset="0"/>
-              <a:cs typeface="Times New Roman" panose="02020603050405020304" pitchFamily="18" charset="0"/>
-            </a:endParaRPr>
-          </a:p>
         </p:txBody>
       </p:sp>
+      <p:graphicFrame>
+        <p:nvGraphicFramePr>
+          <p:cNvPr id="6" name="Table 5">
+            <a:extLst>
+              <a:ext uri="{FF2B5EF4-FFF2-40B4-BE49-F238E27FC236}">
+                <a16:creationId xmlns:a16="http://schemas.microsoft.com/office/drawing/2014/main" id="{BE6908AB-165A-1A60-776D-ECE8953AEEDC}"/>
+              </a:ext>
+            </a:extLst>
+          </p:cNvPr>
+          <p:cNvGraphicFramePr>
+            <a:graphicFrameLocks noGrp="1"/>
+          </p:cNvGraphicFramePr>
+          <p:nvPr>
+            <p:extLst>
+              <p:ext uri="{D42A27DB-BD31-4B8C-83A1-F6EECF244321}">
+                <p14:modId xmlns:p14="http://schemas.microsoft.com/office/powerpoint/2010/main" val="2848453395"/>
+              </p:ext>
+            </p:extLst>
+          </p:nvPr>
+        </p:nvGraphicFramePr>
+        <p:xfrm>
+          <a:off x="1257299" y="3000375"/>
+          <a:ext cx="9629776" cy="3254309"/>
+        </p:xfrm>
+        <a:graphic>
+          <a:graphicData uri="http://schemas.openxmlformats.org/drawingml/2006/table">
+            <a:tbl>
+              <a:tblPr>
+                <a:tableStyleId>{5C22544A-7EE6-4342-B048-85BDC9FD1C3A}</a:tableStyleId>
+              </a:tblPr>
+              <a:tblGrid>
+                <a:gridCol w="4814888">
+                  <a:extLst>
+                    <a:ext uri="{9D8B030D-6E8A-4147-A177-3AD203B41FA5}">
+                      <a16:colId xmlns:a16="http://schemas.microsoft.com/office/drawing/2014/main" val="3073353771"/>
+                    </a:ext>
+                  </a:extLst>
+                </a:gridCol>
+                <a:gridCol w="4814888">
+                  <a:extLst>
+                    <a:ext uri="{9D8B030D-6E8A-4147-A177-3AD203B41FA5}">
+                      <a16:colId xmlns:a16="http://schemas.microsoft.com/office/drawing/2014/main" val="2006045243"/>
+                    </a:ext>
+                  </a:extLst>
+                </a:gridCol>
+              </a:tblGrid>
+              <a:tr h="348676">
+                <a:tc>
+                  <a:txBody>
+                    <a:bodyPr/>
+                    <a:lstStyle/>
+                    <a:p>
+                      <a:pPr algn="ctr" fontAlgn="ctr"/>
+                      <a:r>
+                        <a:rPr lang="en-IN" sz="1800" u="none" strike="noStrike">
+                          <a:effectLst/>
+                        </a:rPr>
+                        <a:t>Pros</a:t>
+                      </a:r>
+                      <a:endParaRPr lang="en-IN" sz="1800" b="1" i="0" u="none" strike="noStrike">
+                        <a:solidFill>
+                          <a:srgbClr val="000000"/>
+                        </a:solidFill>
+                        <a:effectLst/>
+                        <a:latin typeface="Calibri" panose="020F0502020204030204" pitchFamily="34" charset="0"/>
+                      </a:endParaRPr>
+                    </a:p>
+                  </a:txBody>
+                  <a:tcPr marL="7770" marR="7770" marT="7770" marB="0" anchor="ctr"/>
+                </a:tc>
+                <a:tc>
+                  <a:txBody>
+                    <a:bodyPr/>
+                    <a:lstStyle/>
+                    <a:p>
+                      <a:pPr algn="ctr" fontAlgn="ctr"/>
+                      <a:r>
+                        <a:rPr lang="en-IN" sz="1800" u="none" strike="noStrike">
+                          <a:effectLst/>
+                        </a:rPr>
+                        <a:t>Cons</a:t>
+                      </a:r>
+                      <a:endParaRPr lang="en-IN" sz="1800" b="1" i="0" u="none" strike="noStrike">
+                        <a:solidFill>
+                          <a:srgbClr val="000000"/>
+                        </a:solidFill>
+                        <a:effectLst/>
+                        <a:latin typeface="Calibri" panose="020F0502020204030204" pitchFamily="34" charset="0"/>
+                      </a:endParaRPr>
+                    </a:p>
+                  </a:txBody>
+                  <a:tcPr marL="7770" marR="7770" marT="7770" marB="0" anchor="ctr"/>
+                </a:tc>
+                <a:extLst>
+                  <a:ext uri="{0D108BD9-81ED-4DB2-BD59-A6C34878D82A}">
+                    <a16:rowId xmlns:a16="http://schemas.microsoft.com/office/drawing/2014/main" val="4274928397"/>
+                  </a:ext>
+                </a:extLst>
+              </a:tr>
+              <a:tr h="464901">
+                <a:tc>
+                  <a:txBody>
+                    <a:bodyPr/>
+                    <a:lstStyle/>
+                    <a:p>
+                      <a:pPr algn="l" fontAlgn="ctr"/>
+                      <a:r>
+                        <a:rPr lang="en-IN" sz="1800" u="none" strike="noStrike">
+                          <a:effectLst/>
+                        </a:rPr>
+                        <a:t>Data Isolation</a:t>
+                      </a:r>
+                      <a:endParaRPr lang="en-IN" sz="1800" b="0" i="0" u="none" strike="noStrike">
+                        <a:solidFill>
+                          <a:srgbClr val="000000"/>
+                        </a:solidFill>
+                        <a:effectLst/>
+                        <a:latin typeface="Calibri" panose="020F0502020204030204" pitchFamily="34" charset="0"/>
+                      </a:endParaRPr>
+                    </a:p>
+                  </a:txBody>
+                  <a:tcPr marL="7770" marR="7770" marT="7770" marB="0" anchor="ctr"/>
+                </a:tc>
+                <a:tc>
+                  <a:txBody>
+                    <a:bodyPr/>
+                    <a:lstStyle/>
+                    <a:p>
+                      <a:pPr algn="l" fontAlgn="ctr"/>
+                      <a:r>
+                        <a:rPr lang="en-IN" sz="1800" u="none" strike="noStrike">
+                          <a:effectLst/>
+                        </a:rPr>
+                        <a:t>Increased Complexity</a:t>
+                      </a:r>
+                      <a:endParaRPr lang="en-IN" sz="1800" b="0" i="0" u="none" strike="noStrike">
+                        <a:solidFill>
+                          <a:srgbClr val="000000"/>
+                        </a:solidFill>
+                        <a:effectLst/>
+                        <a:latin typeface="Calibri" panose="020F0502020204030204" pitchFamily="34" charset="0"/>
+                      </a:endParaRPr>
+                    </a:p>
+                  </a:txBody>
+                  <a:tcPr marL="7770" marR="7770" marT="7770" marB="0" anchor="ctr"/>
+                </a:tc>
+                <a:extLst>
+                  <a:ext uri="{0D108BD9-81ED-4DB2-BD59-A6C34878D82A}">
+                    <a16:rowId xmlns:a16="http://schemas.microsoft.com/office/drawing/2014/main" val="1400548346"/>
+                  </a:ext>
+                </a:extLst>
+              </a:tr>
+              <a:tr h="348676">
+                <a:tc>
+                  <a:txBody>
+                    <a:bodyPr/>
+                    <a:lstStyle/>
+                    <a:p>
+                      <a:pPr algn="l" fontAlgn="ctr"/>
+                      <a:r>
+                        <a:rPr lang="en-IN" sz="1800" u="none" strike="noStrike">
+                          <a:effectLst/>
+                        </a:rPr>
+                        <a:t>Scalability</a:t>
+                      </a:r>
+                      <a:endParaRPr lang="en-IN" sz="1800" b="0" i="0" u="none" strike="noStrike">
+                        <a:solidFill>
+                          <a:srgbClr val="000000"/>
+                        </a:solidFill>
+                        <a:effectLst/>
+                        <a:latin typeface="Calibri" panose="020F0502020204030204" pitchFamily="34" charset="0"/>
+                      </a:endParaRPr>
+                    </a:p>
+                  </a:txBody>
+                  <a:tcPr marL="7770" marR="7770" marT="7770" marB="0" anchor="ctr"/>
+                </a:tc>
+                <a:tc>
+                  <a:txBody>
+                    <a:bodyPr/>
+                    <a:lstStyle/>
+                    <a:p>
+                      <a:pPr algn="l" fontAlgn="ctr"/>
+                      <a:r>
+                        <a:rPr lang="en-IN" sz="1800" u="none" strike="noStrike">
+                          <a:effectLst/>
+                        </a:rPr>
+                        <a:t>Higher Costs</a:t>
+                      </a:r>
+                      <a:endParaRPr lang="en-IN" sz="1800" b="0" i="0" u="none" strike="noStrike">
+                        <a:solidFill>
+                          <a:srgbClr val="000000"/>
+                        </a:solidFill>
+                        <a:effectLst/>
+                        <a:latin typeface="Calibri" panose="020F0502020204030204" pitchFamily="34" charset="0"/>
+                      </a:endParaRPr>
+                    </a:p>
+                  </a:txBody>
+                  <a:tcPr marL="7770" marR="7770" marT="7770" marB="0" anchor="ctr"/>
+                </a:tc>
+                <a:extLst>
+                  <a:ext uri="{0D108BD9-81ED-4DB2-BD59-A6C34878D82A}">
+                    <a16:rowId xmlns:a16="http://schemas.microsoft.com/office/drawing/2014/main" val="3349574"/>
+                  </a:ext>
+                </a:extLst>
+              </a:tr>
+              <a:tr h="464901">
+                <a:tc>
+                  <a:txBody>
+                    <a:bodyPr/>
+                    <a:lstStyle/>
+                    <a:p>
+                      <a:pPr algn="l" fontAlgn="ctr"/>
+                      <a:r>
+                        <a:rPr lang="en-IN" sz="1800" u="none" strike="noStrike">
+                          <a:effectLst/>
+                        </a:rPr>
+                        <a:t>Optimized Performance</a:t>
+                      </a:r>
+                      <a:endParaRPr lang="en-IN" sz="1800" b="0" i="0" u="none" strike="noStrike">
+                        <a:solidFill>
+                          <a:srgbClr val="000000"/>
+                        </a:solidFill>
+                        <a:effectLst/>
+                        <a:latin typeface="Calibri" panose="020F0502020204030204" pitchFamily="34" charset="0"/>
+                      </a:endParaRPr>
+                    </a:p>
+                  </a:txBody>
+                  <a:tcPr marL="7770" marR="7770" marT="7770" marB="0" anchor="ctr"/>
+                </a:tc>
+                <a:tc>
+                  <a:txBody>
+                    <a:bodyPr/>
+                    <a:lstStyle/>
+                    <a:p>
+                      <a:pPr algn="l" fontAlgn="ctr"/>
+                      <a:r>
+                        <a:rPr lang="en-IN" sz="1800" u="none" strike="noStrike">
+                          <a:effectLst/>
+                        </a:rPr>
+                        <a:t>Data Synchronization</a:t>
+                      </a:r>
+                      <a:endParaRPr lang="en-IN" sz="1800" b="0" i="0" u="none" strike="noStrike">
+                        <a:solidFill>
+                          <a:srgbClr val="000000"/>
+                        </a:solidFill>
+                        <a:effectLst/>
+                        <a:latin typeface="Calibri" panose="020F0502020204030204" pitchFamily="34" charset="0"/>
+                      </a:endParaRPr>
+                    </a:p>
+                  </a:txBody>
+                  <a:tcPr marL="7770" marR="7770" marT="7770" marB="0" anchor="ctr"/>
+                </a:tc>
+                <a:extLst>
+                  <a:ext uri="{0D108BD9-81ED-4DB2-BD59-A6C34878D82A}">
+                    <a16:rowId xmlns:a16="http://schemas.microsoft.com/office/drawing/2014/main" val="2970088810"/>
+                  </a:ext>
+                </a:extLst>
+              </a:tr>
+              <a:tr h="581127">
+                <a:tc>
+                  <a:txBody>
+                    <a:bodyPr/>
+                    <a:lstStyle/>
+                    <a:p>
+                      <a:pPr algn="l" fontAlgn="ctr"/>
+                      <a:r>
+                        <a:rPr lang="en-IN" sz="1800" u="none" strike="noStrike" dirty="0">
+                          <a:effectLst/>
+                        </a:rPr>
+                        <a:t>Enhanced Security</a:t>
+                      </a:r>
+                      <a:endParaRPr lang="en-IN" sz="1800" b="0" i="0" u="none" strike="noStrike" dirty="0">
+                        <a:solidFill>
+                          <a:srgbClr val="000000"/>
+                        </a:solidFill>
+                        <a:effectLst/>
+                        <a:latin typeface="Calibri" panose="020F0502020204030204" pitchFamily="34" charset="0"/>
+                      </a:endParaRPr>
+                    </a:p>
+                  </a:txBody>
+                  <a:tcPr marL="7770" marR="7770" marT="7770" marB="0" anchor="ctr"/>
+                </a:tc>
+                <a:tc>
+                  <a:txBody>
+                    <a:bodyPr/>
+                    <a:lstStyle/>
+                    <a:p>
+                      <a:pPr algn="l" fontAlgn="ctr"/>
+                      <a:r>
+                        <a:rPr lang="en-IN" sz="1800" u="none" strike="noStrike" dirty="0">
+                          <a:effectLst/>
+                        </a:rPr>
+                        <a:t>Potential Redundancy</a:t>
+                      </a:r>
+                      <a:endParaRPr lang="en-IN" sz="1800" b="0" i="0" u="none" strike="noStrike" dirty="0">
+                        <a:solidFill>
+                          <a:srgbClr val="000000"/>
+                        </a:solidFill>
+                        <a:effectLst/>
+                        <a:latin typeface="Calibri" panose="020F0502020204030204" pitchFamily="34" charset="0"/>
+                      </a:endParaRPr>
+                    </a:p>
+                  </a:txBody>
+                  <a:tcPr marL="7770" marR="7770" marT="7770" marB="0" anchor="ctr"/>
+                </a:tc>
+                <a:extLst>
+                  <a:ext uri="{0D108BD9-81ED-4DB2-BD59-A6C34878D82A}">
+                    <a16:rowId xmlns:a16="http://schemas.microsoft.com/office/drawing/2014/main" val="1192943880"/>
+                  </a:ext>
+                </a:extLst>
+              </a:tr>
+              <a:tr h="581127">
+                <a:tc>
+                  <a:txBody>
+                    <a:bodyPr/>
+                    <a:lstStyle/>
+                    <a:p>
+                      <a:pPr algn="l" fontAlgn="ctr"/>
+                      <a:r>
+                        <a:rPr lang="en-IN" sz="1800" u="none" strike="noStrike">
+                          <a:effectLst/>
+                        </a:rPr>
+                        <a:t>Simplified Backups</a:t>
+                      </a:r>
+                      <a:endParaRPr lang="en-IN" sz="1800" b="0" i="0" u="none" strike="noStrike">
+                        <a:solidFill>
+                          <a:srgbClr val="000000"/>
+                        </a:solidFill>
+                        <a:effectLst/>
+                        <a:latin typeface="Calibri" panose="020F0502020204030204" pitchFamily="34" charset="0"/>
+                      </a:endParaRPr>
+                    </a:p>
+                  </a:txBody>
+                  <a:tcPr marL="7770" marR="7770" marT="7770" marB="0" anchor="ctr"/>
+                </a:tc>
+                <a:tc>
+                  <a:txBody>
+                    <a:bodyPr/>
+                    <a:lstStyle/>
+                    <a:p>
+                      <a:pPr algn="l" fontAlgn="ctr"/>
+                      <a:r>
+                        <a:rPr lang="en-IN" sz="1800" u="none" strike="noStrike">
+                          <a:effectLst/>
+                        </a:rPr>
+                        <a:t>Transaction Complexity</a:t>
+                      </a:r>
+                      <a:endParaRPr lang="en-IN" sz="1800" b="0" i="0" u="none" strike="noStrike">
+                        <a:solidFill>
+                          <a:srgbClr val="000000"/>
+                        </a:solidFill>
+                        <a:effectLst/>
+                        <a:latin typeface="Calibri" panose="020F0502020204030204" pitchFamily="34" charset="0"/>
+                      </a:endParaRPr>
+                    </a:p>
+                  </a:txBody>
+                  <a:tcPr marL="7770" marR="7770" marT="7770" marB="0" anchor="ctr"/>
+                </a:tc>
+                <a:extLst>
+                  <a:ext uri="{0D108BD9-81ED-4DB2-BD59-A6C34878D82A}">
+                    <a16:rowId xmlns:a16="http://schemas.microsoft.com/office/drawing/2014/main" val="3834459665"/>
+                  </a:ext>
+                </a:extLst>
+              </a:tr>
+              <a:tr h="464901">
+                <a:tc>
+                  <a:txBody>
+                    <a:bodyPr/>
+                    <a:lstStyle/>
+                    <a:p>
+                      <a:pPr algn="l" fontAlgn="ctr"/>
+                      <a:r>
+                        <a:rPr lang="en-IN" sz="1800" u="none" strike="noStrike">
+                          <a:effectLst/>
+                        </a:rPr>
+                        <a:t>Flexibility in Technology</a:t>
+                      </a:r>
+                      <a:endParaRPr lang="en-IN" sz="1800" b="0" i="0" u="none" strike="noStrike">
+                        <a:solidFill>
+                          <a:srgbClr val="000000"/>
+                        </a:solidFill>
+                        <a:effectLst/>
+                        <a:latin typeface="Calibri" panose="020F0502020204030204" pitchFamily="34" charset="0"/>
+                      </a:endParaRPr>
+                    </a:p>
+                  </a:txBody>
+                  <a:tcPr marL="7770" marR="7770" marT="7770" marB="0" anchor="ctr"/>
+                </a:tc>
+                <a:tc>
+                  <a:txBody>
+                    <a:bodyPr/>
+                    <a:lstStyle/>
+                    <a:p>
+                      <a:pPr algn="l" fontAlgn="ctr"/>
+                      <a:r>
+                        <a:rPr lang="en-IN" sz="1800" u="none" strike="noStrike" dirty="0">
+                          <a:effectLst/>
+                        </a:rPr>
+                        <a:t>Latency Overheads</a:t>
+                      </a:r>
+                      <a:endParaRPr lang="en-IN" sz="1800" b="0" i="0" u="none" strike="noStrike" dirty="0">
+                        <a:solidFill>
+                          <a:srgbClr val="000000"/>
+                        </a:solidFill>
+                        <a:effectLst/>
+                        <a:latin typeface="Calibri" panose="020F0502020204030204" pitchFamily="34" charset="0"/>
+                      </a:endParaRPr>
+                    </a:p>
+                  </a:txBody>
+                  <a:tcPr marL="7770" marR="7770" marT="7770" marB="0" anchor="ctr"/>
+                </a:tc>
+                <a:extLst>
+                  <a:ext uri="{0D108BD9-81ED-4DB2-BD59-A6C34878D82A}">
+                    <a16:rowId xmlns:a16="http://schemas.microsoft.com/office/drawing/2014/main" val="2237081652"/>
+                  </a:ext>
+                </a:extLst>
+              </a:tr>
+            </a:tbl>
+          </a:graphicData>
+        </a:graphic>
+      </p:graphicFrame>
     </p:spTree>
     <p:extLst>
       <p:ext uri="{BB962C8B-B14F-4D97-AF65-F5344CB8AC3E}">
@@ -12315,6 +13170,382 @@
           <p:nvPr>
             <p:extLst>
               <p:ext uri="{D42A27DB-BD31-4B8C-83A1-F6EECF244321}">
+                <p14:modId xmlns:p14="http://schemas.microsoft.com/office/powerpoint/2010/main" val="2270726529"/>
+              </p:ext>
+            </p:extLst>
+          </p:nvPr>
+        </p:nvGraphicFramePr>
+        <p:xfrm>
+          <a:off x="857250" y="862965"/>
+          <a:ext cx="10472738" cy="5565021"/>
+        </p:xfrm>
+        <a:graphic>
+          <a:graphicData uri="http://schemas.openxmlformats.org/drawingml/2006/table">
+            <a:tbl>
+              <a:tblPr firstRow="1" bandRow="1">
+                <a:tableStyleId>{5C22544A-7EE6-4342-B048-85BDC9FD1C3A}</a:tableStyleId>
+              </a:tblPr>
+              <a:tblGrid>
+                <a:gridCol w="1857375">
+                  <a:extLst>
+                    <a:ext uri="{9D8B030D-6E8A-4147-A177-3AD203B41FA5}">
+                      <a16:colId xmlns:a16="http://schemas.microsoft.com/office/drawing/2014/main" val="1034716153"/>
+                    </a:ext>
+                  </a:extLst>
+                </a:gridCol>
+                <a:gridCol w="4393847">
+                  <a:extLst>
+                    <a:ext uri="{9D8B030D-6E8A-4147-A177-3AD203B41FA5}">
+                      <a16:colId xmlns:a16="http://schemas.microsoft.com/office/drawing/2014/main" val="3491220475"/>
+                    </a:ext>
+                  </a:extLst>
+                </a:gridCol>
+                <a:gridCol w="4221516">
+                  <a:extLst>
+                    <a:ext uri="{9D8B030D-6E8A-4147-A177-3AD203B41FA5}">
+                      <a16:colId xmlns:a16="http://schemas.microsoft.com/office/drawing/2014/main" val="2686389259"/>
+                    </a:ext>
+                  </a:extLst>
+                </a:gridCol>
+              </a:tblGrid>
+              <a:tr h="991968">
+                <a:tc>
+                  <a:txBody>
+                    <a:bodyPr/>
+                    <a:lstStyle/>
+                    <a:p>
+                      <a:r>
+                        <a:rPr lang="en-IN" sz="2000" dirty="0">
+                          <a:latin typeface="Aptos" panose="020B0004020202020204" pitchFamily="34" charset="0"/>
+                        </a:rPr>
+                        <a:t>Scenario</a:t>
+                      </a:r>
+                    </a:p>
+                  </a:txBody>
+                  <a:tcPr/>
+                </a:tc>
+                <a:tc>
+                  <a:txBody>
+                    <a:bodyPr/>
+                    <a:lstStyle/>
+                    <a:p>
+                      <a:r>
+                        <a:rPr lang="en-IN" sz="2000" dirty="0">
+                          <a:latin typeface="Aptos" panose="020B0004020202020204" pitchFamily="34" charset="0"/>
+                        </a:rPr>
+                        <a:t>Existing Client Application</a:t>
+                      </a:r>
+                    </a:p>
+                  </a:txBody>
+                  <a:tcPr/>
+                </a:tc>
+                <a:tc>
+                  <a:txBody>
+                    <a:bodyPr/>
+                    <a:lstStyle/>
+                    <a:p>
+                      <a:r>
+                        <a:rPr lang="en-US" sz="2000" dirty="0">
+                          <a:latin typeface="Aptos" panose="020B0004020202020204" pitchFamily="34" charset="0"/>
+                        </a:rPr>
+                        <a:t>New Payment Service as Microservice</a:t>
+                      </a:r>
+                    </a:p>
+                    <a:p>
+                      <a:r>
+                        <a:rPr lang="en-US" sz="2000" dirty="0">
+                          <a:latin typeface="Aptos" panose="020B0004020202020204" pitchFamily="34" charset="0"/>
+                        </a:rPr>
+                        <a:t>(Alternatives)</a:t>
+                      </a:r>
+                      <a:endParaRPr lang="en-IN" sz="2000" dirty="0">
+                        <a:latin typeface="Aptos" panose="020B0004020202020204" pitchFamily="34" charset="0"/>
+                      </a:endParaRPr>
+                    </a:p>
+                  </a:txBody>
+                  <a:tcPr/>
+                </a:tc>
+                <a:extLst>
+                  <a:ext uri="{0D108BD9-81ED-4DB2-BD59-A6C34878D82A}">
+                    <a16:rowId xmlns:a16="http://schemas.microsoft.com/office/drawing/2014/main" val="712984878"/>
+                  </a:ext>
+                </a:extLst>
+              </a:tr>
+              <a:tr h="3096141">
+                <a:tc>
+                  <a:txBody>
+                    <a:bodyPr/>
+                    <a:lstStyle/>
+                    <a:p>
+                      <a:endParaRPr lang="en-IN" sz="2000" dirty="0">
+                        <a:latin typeface="Aptos" panose="020B0004020202020204" pitchFamily="34" charset="0"/>
+                      </a:endParaRPr>
+                    </a:p>
+                    <a:p>
+                      <a:endParaRPr lang="en-IN" sz="2000" dirty="0">
+                        <a:latin typeface="Aptos" panose="020B0004020202020204" pitchFamily="34" charset="0"/>
+                      </a:endParaRPr>
+                    </a:p>
+                    <a:p>
+                      <a:endParaRPr lang="en-IN" sz="2000" dirty="0">
+                        <a:latin typeface="Aptos" panose="020B0004020202020204" pitchFamily="34" charset="0"/>
+                      </a:endParaRPr>
+                    </a:p>
+                    <a:p>
+                      <a:endParaRPr lang="en-IN" sz="2000" dirty="0">
+                        <a:latin typeface="Aptos" panose="020B0004020202020204" pitchFamily="34" charset="0"/>
+                      </a:endParaRPr>
+                    </a:p>
+                    <a:p>
+                      <a:r>
+                        <a:rPr lang="en-IN" sz="2000" dirty="0">
+                          <a:latin typeface="Aptos" panose="020B0004020202020204" pitchFamily="34" charset="0"/>
+                        </a:rPr>
+                        <a:t>Scaling</a:t>
+                      </a:r>
+                    </a:p>
+                  </a:txBody>
+                  <a:tcPr/>
+                </a:tc>
+                <a:tc>
+                  <a:txBody>
+                    <a:bodyPr/>
+                    <a:lstStyle/>
+                    <a:p>
+                      <a:r>
+                        <a:rPr lang="en-US" dirty="0">
+                          <a:latin typeface="Aptos" panose="020B0004020202020204" pitchFamily="34" charset="0"/>
+                        </a:rPr>
+                        <a:t>On-premises servers or VMs with manual scaling</a:t>
+                      </a:r>
+                    </a:p>
+                  </a:txBody>
+                  <a:tcPr anchor="ctr"/>
+                </a:tc>
+                <a:tc>
+                  <a:txBody>
+                    <a:bodyPr/>
+                    <a:lstStyle/>
+                    <a:p>
+                      <a:r>
+                        <a:rPr lang="en-US" dirty="0">
+                          <a:latin typeface="Aptos" panose="020B0004020202020204" pitchFamily="34" charset="0"/>
+                        </a:rPr>
+                        <a:t>Auto-scaling with Kubernetes or Docker Swarm</a:t>
+                      </a:r>
+                    </a:p>
+                    <a:p>
+                      <a:r>
+                        <a:rPr lang="en-US" dirty="0">
+                          <a:latin typeface="Aptos" panose="020B0004020202020204" pitchFamily="34" charset="0"/>
+                        </a:rPr>
+                        <a:t>Or </a:t>
+                      </a:r>
+                    </a:p>
+                    <a:p>
+                      <a:r>
+                        <a:rPr lang="it-IT" dirty="0">
+                          <a:latin typeface="Aptos" panose="020B0004020202020204" pitchFamily="34" charset="0"/>
+                        </a:rPr>
+                        <a:t>Cloud auto-scaling (AWS Auto Scaling, Azure Scale Sets</a:t>
+                      </a:r>
+                    </a:p>
+                    <a:p>
+                      <a:r>
+                        <a:rPr lang="en-US" dirty="0">
+                          <a:latin typeface="Aptos" panose="020B0004020202020204" pitchFamily="34" charset="0"/>
+                        </a:rPr>
+                        <a:t>Or</a:t>
+                      </a:r>
+                    </a:p>
+                    <a:p>
+                      <a:r>
+                        <a:rPr lang="en-US" dirty="0">
+                          <a:latin typeface="Aptos" panose="020B0004020202020204" pitchFamily="34" charset="0"/>
+                        </a:rPr>
+                        <a:t>Serverless auto-scaling (e.g., AWS Lambda scales automatically)</a:t>
+                      </a:r>
+                    </a:p>
+                  </a:txBody>
+                  <a:tcPr anchor="ctr"/>
+                </a:tc>
+                <a:extLst>
+                  <a:ext uri="{0D108BD9-81ED-4DB2-BD59-A6C34878D82A}">
+                    <a16:rowId xmlns:a16="http://schemas.microsoft.com/office/drawing/2014/main" val="640092654"/>
+                  </a:ext>
+                </a:extLst>
+              </a:tr>
+              <a:tr h="1292564">
+                <a:tc>
+                  <a:txBody>
+                    <a:bodyPr/>
+                    <a:lstStyle/>
+                    <a:p>
+                      <a:endParaRPr lang="en-IN" sz="2000" dirty="0">
+                        <a:latin typeface="Aptos" panose="020B0004020202020204" pitchFamily="34" charset="0"/>
+                      </a:endParaRPr>
+                    </a:p>
+                  </a:txBody>
+                  <a:tcPr/>
+                </a:tc>
+                <a:tc>
+                  <a:txBody>
+                    <a:bodyPr/>
+                    <a:lstStyle/>
+                    <a:p>
+                      <a:r>
+                        <a:rPr lang="en-US" dirty="0">
+                          <a:latin typeface="Aptos" panose="020B0004020202020204" pitchFamily="34" charset="0"/>
+                        </a:rPr>
+                        <a:t>Cloud Based</a:t>
+                      </a:r>
+                    </a:p>
+                    <a:p>
+                      <a:r>
+                        <a:rPr lang="en-US" dirty="0">
+                          <a:latin typeface="Aptos" panose="020B0004020202020204" pitchFamily="34" charset="0"/>
+                        </a:rPr>
+                        <a:t>Or</a:t>
+                      </a:r>
+                    </a:p>
+                    <a:p>
+                      <a:r>
+                        <a:rPr lang="en-US" dirty="0">
+                          <a:latin typeface="Aptos" panose="020B0004020202020204" pitchFamily="34" charset="0"/>
+                        </a:rPr>
+                        <a:t>Containerized environment with manual scaling</a:t>
+                      </a:r>
+                    </a:p>
+                  </a:txBody>
+                  <a:tcPr anchor="ctr"/>
+                </a:tc>
+                <a:tc>
+                  <a:txBody>
+                    <a:bodyPr/>
+                    <a:lstStyle/>
+                    <a:p>
+                      <a:r>
+                        <a:rPr lang="en-US" dirty="0">
+                          <a:latin typeface="Aptos" panose="020B0004020202020204" pitchFamily="34" charset="0"/>
+                        </a:rPr>
+                        <a:t>Horizontal scaling by adding more containers</a:t>
+                      </a:r>
+                    </a:p>
+                    <a:p>
+                      <a:r>
+                        <a:rPr lang="en-US" dirty="0">
+                          <a:latin typeface="Aptos" panose="020B0004020202020204" pitchFamily="34" charset="0"/>
+                        </a:rPr>
+                        <a:t>Or </a:t>
+                      </a:r>
+                    </a:p>
+                    <a:p>
+                      <a:r>
+                        <a:rPr lang="en-US" dirty="0">
+                          <a:latin typeface="Aptos" panose="020B0004020202020204" pitchFamily="34" charset="0"/>
+                        </a:rPr>
+                        <a:t>Hybrid approach using cloud burst for peak demand</a:t>
+                      </a:r>
+                    </a:p>
+                  </a:txBody>
+                  <a:tcPr anchor="ctr"/>
+                </a:tc>
+                <a:extLst>
+                  <a:ext uri="{0D108BD9-81ED-4DB2-BD59-A6C34878D82A}">
+                    <a16:rowId xmlns:a16="http://schemas.microsoft.com/office/drawing/2014/main" val="3710944544"/>
+                  </a:ext>
+                </a:extLst>
+              </a:tr>
+            </a:tbl>
+          </a:graphicData>
+        </a:graphic>
+      </p:graphicFrame>
+    </p:spTree>
+    <p:extLst>
+      <p:ext uri="{BB962C8B-B14F-4D97-AF65-F5344CB8AC3E}">
+        <p14:creationId xmlns:p14="http://schemas.microsoft.com/office/powerpoint/2010/main" val="1524891070"/>
+      </p:ext>
+    </p:extLst>
+  </p:cSld>
+  <p:clrMapOvr>
+    <a:masterClrMapping/>
+  </p:clrMapOvr>
+</p:sld>
+</file>
+
+<file path=ppt/slides/slide35.xml><?xml version="1.0" encoding="utf-8"?>
+<p:sld xmlns:a="http://schemas.openxmlformats.org/drawingml/2006/main" xmlns:r="http://schemas.openxmlformats.org/officeDocument/2006/relationships" xmlns:p="http://schemas.openxmlformats.org/presentationml/2006/main">
+  <p:cSld>
+    <p:spTree>
+      <p:nvGrpSpPr>
+        <p:cNvPr id="1" name=""/>
+        <p:cNvGrpSpPr/>
+        <p:nvPr/>
+      </p:nvGrpSpPr>
+      <p:grpSpPr>
+        <a:xfrm>
+          <a:off x="0" y="0"/>
+          <a:ext cx="0" cy="0"/>
+          <a:chOff x="0" y="0"/>
+          <a:chExt cx="0" cy="0"/>
+        </a:xfrm>
+      </p:grpSpPr>
+      <p:sp>
+        <p:nvSpPr>
+          <p:cNvPr id="2" name="TextBox 1">
+            <a:extLst>
+              <a:ext uri="{FF2B5EF4-FFF2-40B4-BE49-F238E27FC236}">
+                <a16:creationId xmlns:a16="http://schemas.microsoft.com/office/drawing/2014/main" id="{7389CA14-9C28-EAF9-5043-0970227AF648}"/>
+              </a:ext>
+            </a:extLst>
+          </p:cNvPr>
+          <p:cNvSpPr txBox="1"/>
+          <p:nvPr/>
+        </p:nvSpPr>
+        <p:spPr>
+          <a:xfrm>
+            <a:off x="742950" y="169783"/>
+            <a:ext cx="2155655" cy="369332"/>
+          </a:xfrm>
+          <a:prstGeom prst="rect">
+            <a:avLst/>
+          </a:prstGeom>
+          <a:noFill/>
+        </p:spPr>
+        <p:txBody>
+          <a:bodyPr wrap="none" rtlCol="0">
+            <a:spAutoFit/>
+          </a:bodyPr>
+          <a:lstStyle/>
+          <a:p>
+            <a:r>
+              <a:rPr lang="en-IN" dirty="0">
+                <a:latin typeface="Aptos" panose="020B0004020202020204" pitchFamily="34" charset="0"/>
+              </a:rPr>
+              <a:t>DevOps</a:t>
+            </a:r>
+            <a:r>
+              <a:rPr lang="en-IN" dirty="0"/>
+              <a:t> Alternatives</a:t>
+            </a:r>
+          </a:p>
+        </p:txBody>
+      </p:sp>
+      <p:graphicFrame>
+        <p:nvGraphicFramePr>
+          <p:cNvPr id="3" name="Table 2">
+            <a:extLst>
+              <a:ext uri="{FF2B5EF4-FFF2-40B4-BE49-F238E27FC236}">
+                <a16:creationId xmlns:a16="http://schemas.microsoft.com/office/drawing/2014/main" id="{05FECCB0-AB66-0955-A7CD-B08B157515C6}"/>
+              </a:ext>
+            </a:extLst>
+          </p:cNvPr>
+          <p:cNvGraphicFramePr>
+            <a:graphicFrameLocks noGrp="1"/>
+          </p:cNvGraphicFramePr>
+          <p:nvPr>
+            <p:extLst>
+              <p:ext uri="{D42A27DB-BD31-4B8C-83A1-F6EECF244321}">
                 <p14:modId xmlns:p14="http://schemas.microsoft.com/office/powerpoint/2010/main" val="50085129"/>
               </p:ext>
             </p:extLst>
@@ -12618,382 +13849,6 @@
 </p:sld>
 </file>
 
-<file path=ppt/slides/slide35.xml><?xml version="1.0" encoding="utf-8"?>
-<p:sld xmlns:a="http://schemas.openxmlformats.org/drawingml/2006/main" xmlns:r="http://schemas.openxmlformats.org/officeDocument/2006/relationships" xmlns:p="http://schemas.openxmlformats.org/presentationml/2006/main">
-  <p:cSld>
-    <p:spTree>
-      <p:nvGrpSpPr>
-        <p:cNvPr id="1" name=""/>
-        <p:cNvGrpSpPr/>
-        <p:nvPr/>
-      </p:nvGrpSpPr>
-      <p:grpSpPr>
-        <a:xfrm>
-          <a:off x="0" y="0"/>
-          <a:ext cx="0" cy="0"/>
-          <a:chOff x="0" y="0"/>
-          <a:chExt cx="0" cy="0"/>
-        </a:xfrm>
-      </p:grpSpPr>
-      <p:sp>
-        <p:nvSpPr>
-          <p:cNvPr id="2" name="TextBox 1">
-            <a:extLst>
-              <a:ext uri="{FF2B5EF4-FFF2-40B4-BE49-F238E27FC236}">
-                <a16:creationId xmlns:a16="http://schemas.microsoft.com/office/drawing/2014/main" id="{7389CA14-9C28-EAF9-5043-0970227AF648}"/>
-              </a:ext>
-            </a:extLst>
-          </p:cNvPr>
-          <p:cNvSpPr txBox="1"/>
-          <p:nvPr/>
-        </p:nvSpPr>
-        <p:spPr>
-          <a:xfrm>
-            <a:off x="742950" y="169783"/>
-            <a:ext cx="2155655" cy="369332"/>
-          </a:xfrm>
-          <a:prstGeom prst="rect">
-            <a:avLst/>
-          </a:prstGeom>
-          <a:noFill/>
-        </p:spPr>
-        <p:txBody>
-          <a:bodyPr wrap="none" rtlCol="0">
-            <a:spAutoFit/>
-          </a:bodyPr>
-          <a:lstStyle/>
-          <a:p>
-            <a:r>
-              <a:rPr lang="en-IN" dirty="0">
-                <a:latin typeface="Aptos" panose="020B0004020202020204" pitchFamily="34" charset="0"/>
-              </a:rPr>
-              <a:t>DevOps</a:t>
-            </a:r>
-            <a:r>
-              <a:rPr lang="en-IN" dirty="0"/>
-              <a:t> Alternatives</a:t>
-            </a:r>
-          </a:p>
-        </p:txBody>
-      </p:sp>
-      <p:graphicFrame>
-        <p:nvGraphicFramePr>
-          <p:cNvPr id="3" name="Table 2">
-            <a:extLst>
-              <a:ext uri="{FF2B5EF4-FFF2-40B4-BE49-F238E27FC236}">
-                <a16:creationId xmlns:a16="http://schemas.microsoft.com/office/drawing/2014/main" id="{05FECCB0-AB66-0955-A7CD-B08B157515C6}"/>
-              </a:ext>
-            </a:extLst>
-          </p:cNvPr>
-          <p:cNvGraphicFramePr>
-            <a:graphicFrameLocks noGrp="1"/>
-          </p:cNvGraphicFramePr>
-          <p:nvPr>
-            <p:extLst>
-              <p:ext uri="{D42A27DB-BD31-4B8C-83A1-F6EECF244321}">
-                <p14:modId xmlns:p14="http://schemas.microsoft.com/office/powerpoint/2010/main" val="2270726529"/>
-              </p:ext>
-            </p:extLst>
-          </p:nvPr>
-        </p:nvGraphicFramePr>
-        <p:xfrm>
-          <a:off x="857250" y="862965"/>
-          <a:ext cx="10472738" cy="5565021"/>
-        </p:xfrm>
-        <a:graphic>
-          <a:graphicData uri="http://schemas.openxmlformats.org/drawingml/2006/table">
-            <a:tbl>
-              <a:tblPr firstRow="1" bandRow="1">
-                <a:tableStyleId>{5C22544A-7EE6-4342-B048-85BDC9FD1C3A}</a:tableStyleId>
-              </a:tblPr>
-              <a:tblGrid>
-                <a:gridCol w="1857375">
-                  <a:extLst>
-                    <a:ext uri="{9D8B030D-6E8A-4147-A177-3AD203B41FA5}">
-                      <a16:colId xmlns:a16="http://schemas.microsoft.com/office/drawing/2014/main" val="1034716153"/>
-                    </a:ext>
-                  </a:extLst>
-                </a:gridCol>
-                <a:gridCol w="4393847">
-                  <a:extLst>
-                    <a:ext uri="{9D8B030D-6E8A-4147-A177-3AD203B41FA5}">
-                      <a16:colId xmlns:a16="http://schemas.microsoft.com/office/drawing/2014/main" val="3491220475"/>
-                    </a:ext>
-                  </a:extLst>
-                </a:gridCol>
-                <a:gridCol w="4221516">
-                  <a:extLst>
-                    <a:ext uri="{9D8B030D-6E8A-4147-A177-3AD203B41FA5}">
-                      <a16:colId xmlns:a16="http://schemas.microsoft.com/office/drawing/2014/main" val="2686389259"/>
-                    </a:ext>
-                  </a:extLst>
-                </a:gridCol>
-              </a:tblGrid>
-              <a:tr h="991968">
-                <a:tc>
-                  <a:txBody>
-                    <a:bodyPr/>
-                    <a:lstStyle/>
-                    <a:p>
-                      <a:r>
-                        <a:rPr lang="en-IN" sz="2000" dirty="0">
-                          <a:latin typeface="Aptos" panose="020B0004020202020204" pitchFamily="34" charset="0"/>
-                        </a:rPr>
-                        <a:t>Scenario</a:t>
-                      </a:r>
-                    </a:p>
-                  </a:txBody>
-                  <a:tcPr/>
-                </a:tc>
-                <a:tc>
-                  <a:txBody>
-                    <a:bodyPr/>
-                    <a:lstStyle/>
-                    <a:p>
-                      <a:r>
-                        <a:rPr lang="en-IN" sz="2000" dirty="0">
-                          <a:latin typeface="Aptos" panose="020B0004020202020204" pitchFamily="34" charset="0"/>
-                        </a:rPr>
-                        <a:t>Existing Client Application</a:t>
-                      </a:r>
-                    </a:p>
-                  </a:txBody>
-                  <a:tcPr/>
-                </a:tc>
-                <a:tc>
-                  <a:txBody>
-                    <a:bodyPr/>
-                    <a:lstStyle/>
-                    <a:p>
-                      <a:r>
-                        <a:rPr lang="en-US" sz="2000" dirty="0">
-                          <a:latin typeface="Aptos" panose="020B0004020202020204" pitchFamily="34" charset="0"/>
-                        </a:rPr>
-                        <a:t>New Payment Service as Microservice</a:t>
-                      </a:r>
-                    </a:p>
-                    <a:p>
-                      <a:r>
-                        <a:rPr lang="en-US" sz="2000" dirty="0">
-                          <a:latin typeface="Aptos" panose="020B0004020202020204" pitchFamily="34" charset="0"/>
-                        </a:rPr>
-                        <a:t>(Alternatives)</a:t>
-                      </a:r>
-                      <a:endParaRPr lang="en-IN" sz="2000" dirty="0">
-                        <a:latin typeface="Aptos" panose="020B0004020202020204" pitchFamily="34" charset="0"/>
-                      </a:endParaRPr>
-                    </a:p>
-                  </a:txBody>
-                  <a:tcPr/>
-                </a:tc>
-                <a:extLst>
-                  <a:ext uri="{0D108BD9-81ED-4DB2-BD59-A6C34878D82A}">
-                    <a16:rowId xmlns:a16="http://schemas.microsoft.com/office/drawing/2014/main" val="712984878"/>
-                  </a:ext>
-                </a:extLst>
-              </a:tr>
-              <a:tr h="3096141">
-                <a:tc>
-                  <a:txBody>
-                    <a:bodyPr/>
-                    <a:lstStyle/>
-                    <a:p>
-                      <a:endParaRPr lang="en-IN" sz="2000" dirty="0">
-                        <a:latin typeface="Aptos" panose="020B0004020202020204" pitchFamily="34" charset="0"/>
-                      </a:endParaRPr>
-                    </a:p>
-                    <a:p>
-                      <a:endParaRPr lang="en-IN" sz="2000" dirty="0">
-                        <a:latin typeface="Aptos" panose="020B0004020202020204" pitchFamily="34" charset="0"/>
-                      </a:endParaRPr>
-                    </a:p>
-                    <a:p>
-                      <a:endParaRPr lang="en-IN" sz="2000" dirty="0">
-                        <a:latin typeface="Aptos" panose="020B0004020202020204" pitchFamily="34" charset="0"/>
-                      </a:endParaRPr>
-                    </a:p>
-                    <a:p>
-                      <a:endParaRPr lang="en-IN" sz="2000" dirty="0">
-                        <a:latin typeface="Aptos" panose="020B0004020202020204" pitchFamily="34" charset="0"/>
-                      </a:endParaRPr>
-                    </a:p>
-                    <a:p>
-                      <a:r>
-                        <a:rPr lang="en-IN" sz="2000" dirty="0">
-                          <a:latin typeface="Aptos" panose="020B0004020202020204" pitchFamily="34" charset="0"/>
-                        </a:rPr>
-                        <a:t>Scaling</a:t>
-                      </a:r>
-                    </a:p>
-                  </a:txBody>
-                  <a:tcPr/>
-                </a:tc>
-                <a:tc>
-                  <a:txBody>
-                    <a:bodyPr/>
-                    <a:lstStyle/>
-                    <a:p>
-                      <a:r>
-                        <a:rPr lang="en-US" dirty="0">
-                          <a:latin typeface="Aptos" panose="020B0004020202020204" pitchFamily="34" charset="0"/>
-                        </a:rPr>
-                        <a:t>On-premises servers or VMs with manual scaling</a:t>
-                      </a:r>
-                    </a:p>
-                  </a:txBody>
-                  <a:tcPr anchor="ctr"/>
-                </a:tc>
-                <a:tc>
-                  <a:txBody>
-                    <a:bodyPr/>
-                    <a:lstStyle/>
-                    <a:p>
-                      <a:r>
-                        <a:rPr lang="en-US" dirty="0">
-                          <a:latin typeface="Aptos" panose="020B0004020202020204" pitchFamily="34" charset="0"/>
-                        </a:rPr>
-                        <a:t>Auto-scaling with Kubernetes or Docker Swarm</a:t>
-                      </a:r>
-                    </a:p>
-                    <a:p>
-                      <a:r>
-                        <a:rPr lang="en-US" dirty="0">
-                          <a:latin typeface="Aptos" panose="020B0004020202020204" pitchFamily="34" charset="0"/>
-                        </a:rPr>
-                        <a:t>Or </a:t>
-                      </a:r>
-                    </a:p>
-                    <a:p>
-                      <a:r>
-                        <a:rPr lang="it-IT" dirty="0">
-                          <a:latin typeface="Aptos" panose="020B0004020202020204" pitchFamily="34" charset="0"/>
-                        </a:rPr>
-                        <a:t>Cloud auto-scaling (AWS Auto Scaling, Azure Scale Sets</a:t>
-                      </a:r>
-                    </a:p>
-                    <a:p>
-                      <a:r>
-                        <a:rPr lang="en-US" dirty="0">
-                          <a:latin typeface="Aptos" panose="020B0004020202020204" pitchFamily="34" charset="0"/>
-                        </a:rPr>
-                        <a:t>Or</a:t>
-                      </a:r>
-                    </a:p>
-                    <a:p>
-                      <a:r>
-                        <a:rPr lang="en-US" dirty="0">
-                          <a:latin typeface="Aptos" panose="020B0004020202020204" pitchFamily="34" charset="0"/>
-                        </a:rPr>
-                        <a:t>Serverless auto-scaling (e.g., AWS Lambda scales automatically)</a:t>
-                      </a:r>
-                    </a:p>
-                  </a:txBody>
-                  <a:tcPr anchor="ctr"/>
-                </a:tc>
-                <a:extLst>
-                  <a:ext uri="{0D108BD9-81ED-4DB2-BD59-A6C34878D82A}">
-                    <a16:rowId xmlns:a16="http://schemas.microsoft.com/office/drawing/2014/main" val="640092654"/>
-                  </a:ext>
-                </a:extLst>
-              </a:tr>
-              <a:tr h="1292564">
-                <a:tc>
-                  <a:txBody>
-                    <a:bodyPr/>
-                    <a:lstStyle/>
-                    <a:p>
-                      <a:endParaRPr lang="en-IN" sz="2000" dirty="0">
-                        <a:latin typeface="Aptos" panose="020B0004020202020204" pitchFamily="34" charset="0"/>
-                      </a:endParaRPr>
-                    </a:p>
-                  </a:txBody>
-                  <a:tcPr/>
-                </a:tc>
-                <a:tc>
-                  <a:txBody>
-                    <a:bodyPr/>
-                    <a:lstStyle/>
-                    <a:p>
-                      <a:r>
-                        <a:rPr lang="en-US" dirty="0">
-                          <a:latin typeface="Aptos" panose="020B0004020202020204" pitchFamily="34" charset="0"/>
-                        </a:rPr>
-                        <a:t>Cloud Based</a:t>
-                      </a:r>
-                    </a:p>
-                    <a:p>
-                      <a:r>
-                        <a:rPr lang="en-US" dirty="0">
-                          <a:latin typeface="Aptos" panose="020B0004020202020204" pitchFamily="34" charset="0"/>
-                        </a:rPr>
-                        <a:t>Or</a:t>
-                      </a:r>
-                    </a:p>
-                    <a:p>
-                      <a:r>
-                        <a:rPr lang="en-US" dirty="0">
-                          <a:latin typeface="Aptos" panose="020B0004020202020204" pitchFamily="34" charset="0"/>
-                        </a:rPr>
-                        <a:t>Containerized environment with manual scaling</a:t>
-                      </a:r>
-                    </a:p>
-                  </a:txBody>
-                  <a:tcPr anchor="ctr"/>
-                </a:tc>
-                <a:tc>
-                  <a:txBody>
-                    <a:bodyPr/>
-                    <a:lstStyle/>
-                    <a:p>
-                      <a:r>
-                        <a:rPr lang="en-US" dirty="0">
-                          <a:latin typeface="Aptos" panose="020B0004020202020204" pitchFamily="34" charset="0"/>
-                        </a:rPr>
-                        <a:t>Horizontal scaling by adding more containers</a:t>
-                      </a:r>
-                    </a:p>
-                    <a:p>
-                      <a:r>
-                        <a:rPr lang="en-US" dirty="0">
-                          <a:latin typeface="Aptos" panose="020B0004020202020204" pitchFamily="34" charset="0"/>
-                        </a:rPr>
-                        <a:t>Or </a:t>
-                      </a:r>
-                    </a:p>
-                    <a:p>
-                      <a:r>
-                        <a:rPr lang="en-US" dirty="0">
-                          <a:latin typeface="Aptos" panose="020B0004020202020204" pitchFamily="34" charset="0"/>
-                        </a:rPr>
-                        <a:t>Hybrid approach using cloud burst for peak demand</a:t>
-                      </a:r>
-                    </a:p>
-                  </a:txBody>
-                  <a:tcPr anchor="ctr"/>
-                </a:tc>
-                <a:extLst>
-                  <a:ext uri="{0D108BD9-81ED-4DB2-BD59-A6C34878D82A}">
-                    <a16:rowId xmlns:a16="http://schemas.microsoft.com/office/drawing/2014/main" val="3710944544"/>
-                  </a:ext>
-                </a:extLst>
-              </a:tr>
-            </a:tbl>
-          </a:graphicData>
-        </a:graphic>
-      </p:graphicFrame>
-    </p:spTree>
-    <p:extLst>
-      <p:ext uri="{BB962C8B-B14F-4D97-AF65-F5344CB8AC3E}">
-        <p14:creationId xmlns:p14="http://schemas.microsoft.com/office/powerpoint/2010/main" val="1524891070"/>
-      </p:ext>
-    </p:extLst>
-  </p:cSld>
-  <p:clrMapOvr>
-    <a:masterClrMapping/>
-  </p:clrMapOvr>
-</p:sld>
-</file>
-
 <file path=ppt/slides/slide36.xml><?xml version="1.0" encoding="utf-8"?>
 <p:sld xmlns:a="http://schemas.openxmlformats.org/drawingml/2006/main" xmlns:r="http://schemas.openxmlformats.org/officeDocument/2006/relationships" xmlns:p="http://schemas.openxmlformats.org/presentationml/2006/main">
   <p:cSld>
@@ -13026,7 +13881,7 @@
         <p:spPr>
           <a:xfrm>
             <a:off x="657225" y="614363"/>
-            <a:ext cx="11087100" cy="3970318"/>
+            <a:ext cx="11087100" cy="4524315"/>
           </a:xfrm>
           <a:prstGeom prst="rect">
             <a:avLst/>
@@ -13121,8 +13976,25 @@
             <a:r>
               <a:rPr lang="en-IN" dirty="0">
                 <a:latin typeface="Aptos" panose="020B0004020202020204" pitchFamily="34" charset="0"/>
+                <a:hlinkClick r:id="rId4"/>
               </a:rPr>
               <a:t>https://kennybrast.medium.com/how-to-explain-hybrid-devops-to-the-c-suite-without-getting-fired-95541673c023</a:t>
+            </a:r>
+            <a:endParaRPr lang="en-IN" dirty="0">
+              <a:latin typeface="Aptos" panose="020B0004020202020204" pitchFamily="34" charset="0"/>
+            </a:endParaRPr>
+          </a:p>
+          <a:p>
+            <a:endParaRPr lang="en-IN" dirty="0">
+              <a:latin typeface="Aptos" panose="020B0004020202020204" pitchFamily="34" charset="0"/>
+            </a:endParaRPr>
+          </a:p>
+          <a:p>
+            <a:r>
+              <a:rPr lang="en-IN" dirty="0">
+                <a:latin typeface="Aptos" panose="020B0004020202020204" pitchFamily="34" charset="0"/>
+              </a:rPr>
+              <a:t>https://aws.amazon.com/what-is/cloud-bursting/</a:t>
             </a:r>
           </a:p>
         </p:txBody>
